--- a/02 HOS/ACM SIGITE 2023 HOS.pptx
+++ b/02 HOS/ACM SIGITE 2023 HOS.pptx
@@ -6664,7 +6664,7 @@
           <a:p>
             <a:fld id="{EFA3BDC7-8A50-42C8-9302-6762F35E1C3A}" type="datetimeFigureOut">
               <a:rPr lang="en-US" smtClean="0"/>
-              <a:t>10/12/2023</a:t>
+              <a:t>10/13/2023</a:t>
             </a:fld>
             <a:endParaRPr lang="en-US"/>
           </a:p>
@@ -14919,7 +14919,7 @@
             <a:pPr algn="ctr"/>
             <a:r>
               <a:rPr lang="en-US" b="1" dirty="0"/>
-              <a:t>Hands-on Skills</a:t>
+              <a:t>Hands-on Skill</a:t>
             </a:r>
           </a:p>
         </p:txBody>
@@ -14940,8 +14940,8 @@
         </p:nvSpPr>
         <p:spPr bwMode="auto">
           <a:xfrm>
-            <a:off x="-138545" y="1549783"/>
-            <a:ext cx="9677656" cy="707886"/>
+            <a:off x="-138545" y="1639482"/>
+            <a:ext cx="9677656" cy="1323439"/>
           </a:xfrm>
           <a:prstGeom prst="rect">
             <a:avLst/>
@@ -15137,6 +15137,13 @@
               <a:rPr lang="en-US" kern="0" dirty="0"/>
               <a:t>Cloud Development Environment</a:t>
             </a:r>
+            <a:br>
+              <a:rPr lang="en-US" kern="0" dirty="0"/>
+            </a:br>
+            <a:r>
+              <a:rPr lang="en-US" kern="0" dirty="0"/>
+              <a:t>(CDE)</a:t>
+            </a:r>
           </a:p>
         </p:txBody>
       </p:sp>
@@ -15156,7 +15163,7 @@
         </p:nvSpPr>
         <p:spPr bwMode="auto">
           <a:xfrm>
-            <a:off x="605943" y="2780078"/>
+            <a:off x="315547" y="3079695"/>
             <a:ext cx="5625040" cy="2811831"/>
           </a:xfrm>
           <a:prstGeom prst="rect">
@@ -15446,10 +15453,57 @@
       </p:sp>
       <p:pic>
         <p:nvPicPr>
-          <p:cNvPr id="3" name="Picture 2">
+          <p:cNvPr id="5" name="Picture 2" descr="flat vector business technology storage and cloud connect concept with administrator and developer team working This file EPS 10 format. This illustration&#10;contains a transparency . Cloud Computing stock illustrations">
             <a:extLst>
               <a:ext uri="{FF2B5EF4-FFF2-40B4-BE49-F238E27FC236}">
-                <a16:creationId xmlns:a16="http://schemas.microsoft.com/office/drawing/2014/main" id="{B864BD00-0AFC-9B16-D3FF-93B2EE48ECA8}"/>
+                <a16:creationId xmlns:a16="http://schemas.microsoft.com/office/drawing/2014/main" id="{D50C20E5-73DE-0FA6-5D58-A948EDD3B8C2}"/>
+              </a:ext>
+            </a:extLst>
+          </p:cNvPr>
+          <p:cNvPicPr>
+            <a:picLocks noChangeAspect="1" noChangeArrowheads="1"/>
+          </p:cNvPicPr>
+          <p:nvPr/>
+        </p:nvPicPr>
+        <p:blipFill>
+          <a:blip r:embed="rId3">
+            <a:extLst>
+              <a:ext uri="{28A0092B-C50C-407E-A947-70E740481C1C}">
+                <a14:useLocalDpi xmlns:a14="http://schemas.microsoft.com/office/drawing/2010/main" val="0"/>
+              </a:ext>
+            </a:extLst>
+          </a:blip>
+          <a:srcRect/>
+          <a:stretch>
+            <a:fillRect/>
+          </a:stretch>
+        </p:blipFill>
+        <p:spPr bwMode="auto">
+          <a:xfrm>
+            <a:off x="6087575" y="2541915"/>
+            <a:ext cx="2740878" cy="1943695"/>
+          </a:xfrm>
+          <a:prstGeom prst="rect">
+            <a:avLst/>
+          </a:prstGeom>
+          <a:noFill/>
+          <a:extLst>
+            <a:ext uri="{909E8E84-426E-40DD-AFC4-6F175D3DCCD1}">
+              <a14:hiddenFill xmlns:a14="http://schemas.microsoft.com/office/drawing/2010/main">
+                <a:solidFill>
+                  <a:srgbClr val="FFFFFF"/>
+                </a:solidFill>
+              </a14:hiddenFill>
+            </a:ext>
+          </a:extLst>
+        </p:spPr>
+      </p:pic>
+      <p:pic>
+        <p:nvPicPr>
+          <p:cNvPr id="6" name="Picture 5">
+            <a:extLst>
+              <a:ext uri="{FF2B5EF4-FFF2-40B4-BE49-F238E27FC236}">
+                <a16:creationId xmlns:a16="http://schemas.microsoft.com/office/drawing/2014/main" id="{077DC451-1ED4-DB8A-99D8-ED669D5CF21B}"/>
               </a:ext>
             </a:extLst>
           </p:cNvPr>
@@ -15459,20 +15513,19 @@
           <p:nvPr/>
         </p:nvPicPr>
         <p:blipFill>
-          <a:blip r:embed="rId3"/>
+          <a:blip r:embed="rId4"/>
           <a:stretch>
             <a:fillRect/>
           </a:stretch>
         </p:blipFill>
         <p:spPr>
           <a:xfrm>
-            <a:off x="5299075" y="2474024"/>
-            <a:ext cx="3354409" cy="3354409"/>
+            <a:off x="6583661" y="4727129"/>
+            <a:ext cx="1651521" cy="1432232"/>
           </a:xfrm>
           <a:prstGeom prst="rect">
             <a:avLst/>
           </a:prstGeom>
-          <a:noFill/>
         </p:spPr>
       </p:pic>
     </p:spTree>
@@ -16535,21 +16588,21 @@
           </a:lstStyle>
           <a:p>
             <a:r>
-              <a:rPr lang="en-US" b="1" dirty="0">
+              <a:rPr lang="en-US" dirty="0">
                 <a:effectLst/>
                 <a:ea typeface="Times New Roman" panose="02020603050405020304" pitchFamily="18" charset="0"/>
               </a:rPr>
               <a:t>“</a:t>
             </a:r>
             <a:r>
-              <a:rPr lang="en-US" b="1" dirty="0" err="1">
+              <a:rPr lang="en-US" dirty="0" err="1">
                 <a:effectLst/>
                 <a:ea typeface="Times New Roman" panose="02020603050405020304" pitchFamily="18" charset="0"/>
               </a:rPr>
               <a:t>ctl</a:t>
             </a:r>
             <a:r>
-              <a:rPr lang="en-US" b="1" dirty="0">
+              <a:rPr lang="en-US" dirty="0">
                 <a:effectLst/>
                 <a:ea typeface="Times New Roman" panose="02020603050405020304" pitchFamily="18" charset="0"/>
               </a:rPr>
@@ -16999,7 +17052,7 @@
               <a:buNone/>
             </a:pPr>
             <a:r>
-              <a:rPr lang="en-US" b="1" dirty="0">
+              <a:rPr lang="en-US" dirty="0">
                 <a:solidFill>
                   <a:srgbClr val="000000"/>
                 </a:solidFill>
@@ -17009,7 +17062,7 @@
               <a:t>&gt;</a:t>
             </a:r>
             <a:r>
-              <a:rPr lang="en-US" b="1" dirty="0" err="1">
+              <a:rPr lang="en-US" dirty="0" err="1">
                 <a:solidFill>
                   <a:srgbClr val="000000"/>
                 </a:solidFill>
@@ -17017,7 +17070,7 @@
               <a:t>n</a:t>
             </a:r>
             <a:r>
-              <a:rPr kumimoji="0" lang="en-US" altLang="en-US" sz="2800" b="1" i="0" u="none" strike="noStrike" cap="none" normalizeH="0" baseline="0" dirty="0" err="1">
+              <a:rPr kumimoji="0" lang="en-US" altLang="en-US" i="0" u="none" strike="noStrike" cap="none" normalizeH="0" baseline="0" dirty="0" err="1">
                 <a:ln>
                   <a:noFill/>
                 </a:ln>
@@ -17025,14 +17078,13 @@
                   <a:srgbClr val="000000"/>
                 </a:solidFill>
                 <a:effectLst/>
-                <a:latin typeface="Calibri" panose="020F0502020204030204" pitchFamily="34" charset="0"/>
                 <a:ea typeface="Times New Roman" panose="02020603050405020304" pitchFamily="18" charset="0"/>
                 <a:cs typeface="Calibri" panose="020F0502020204030204" pitchFamily="34" charset="0"/>
               </a:rPr>
               <a:t>px</a:t>
             </a:r>
             <a:r>
-              <a:rPr kumimoji="0" lang="en-US" altLang="en-US" sz="2800" b="1" i="0" u="none" strike="noStrike" cap="none" normalizeH="0" baseline="0" dirty="0">
+              <a:rPr kumimoji="0" lang="en-US" altLang="en-US" i="0" u="none" strike="noStrike" cap="none" normalizeH="0" baseline="0" dirty="0">
                 <a:ln>
                   <a:noFill/>
                 </a:ln>
@@ -17040,14 +17092,13 @@
                   <a:srgbClr val="000000"/>
                 </a:solidFill>
                 <a:effectLst/>
-                <a:latin typeface="Calibri" panose="020F0502020204030204" pitchFamily="34" charset="0"/>
                 <a:ea typeface="Times New Roman" panose="02020603050405020304" pitchFamily="18" charset="0"/>
                 <a:cs typeface="Calibri" panose="020F0502020204030204" pitchFamily="34" charset="0"/>
               </a:rPr>
               <a:t> create-expo-app my-mobile-app</a:t>
             </a:r>
             <a:r>
-              <a:rPr kumimoji="0" lang="en-US" altLang="en-US" sz="1600" b="0" i="0" u="none" strike="noStrike" cap="none" normalizeH="0" baseline="0" dirty="0">
+              <a:rPr kumimoji="0" lang="en-US" altLang="en-US" i="0" u="none" strike="noStrike" cap="none" normalizeH="0" baseline="0" dirty="0">
                 <a:ln>
                   <a:noFill/>
                 </a:ln>
@@ -17058,16 +17109,6 @@
               </a:rPr>
               <a:t> </a:t>
             </a:r>
-            <a:endParaRPr kumimoji="0" lang="en-US" altLang="en-US" sz="4400" b="0" i="0" u="none" strike="noStrike" cap="none" normalizeH="0" baseline="0" dirty="0">
-              <a:ln>
-                <a:noFill/>
-              </a:ln>
-              <a:solidFill>
-                <a:schemeClr val="tx1"/>
-              </a:solidFill>
-              <a:effectLst/>
-              <a:latin typeface="Arial" panose="020B0604020202020204" pitchFamily="34" charset="0"/>
-            </a:endParaRPr>
           </a:p>
           <a:p>
             <a:pPr marL="0" marR="0" lvl="0" indent="0">
@@ -17080,7 +17121,7 @@
               <a:buNone/>
             </a:pPr>
             <a:r>
-              <a:rPr lang="en-US" b="1" dirty="0">
+              <a:rPr lang="en-US" dirty="0">
                 <a:solidFill>
                   <a:srgbClr val="000000"/>
                 </a:solidFill>
@@ -17098,7 +17139,7 @@
               </a:spcAft>
               <a:buNone/>
             </a:pPr>
-            <a:endParaRPr lang="en-US" b="1" dirty="0">
+            <a:endParaRPr lang="en-US" dirty="0">
               <a:solidFill>
                 <a:srgbClr val="000000"/>
               </a:solidFill>
@@ -17426,7 +17467,7 @@
               <a:buNone/>
             </a:pPr>
             <a:r>
-              <a:rPr lang="en-US" b="1" dirty="0">
+              <a:rPr lang="en-US" dirty="0">
                 <a:solidFill>
                   <a:srgbClr val="000000"/>
                 </a:solidFill>
@@ -17436,7 +17477,7 @@
               <a:t>&gt;</a:t>
             </a:r>
             <a:r>
-              <a:rPr lang="en-US" b="1" dirty="0" err="1">
+              <a:rPr lang="en-US" dirty="0" err="1">
                 <a:solidFill>
                   <a:srgbClr val="000000"/>
                 </a:solidFill>
@@ -17446,7 +17487,7 @@
               <a:t>npm</a:t>
             </a:r>
             <a:r>
-              <a:rPr lang="en-US" b="1" dirty="0">
+              <a:rPr lang="en-US" dirty="0">
                 <a:solidFill>
                   <a:srgbClr val="000000"/>
                 </a:solidFill>
@@ -17833,7 +17874,7 @@
               <a:buNone/>
             </a:pPr>
             <a:r>
-              <a:rPr lang="en-US" b="1" dirty="0">
+              <a:rPr lang="en-US" dirty="0">
                 <a:solidFill>
                   <a:srgbClr val="000000"/>
                 </a:solidFill>
@@ -17843,7 +17884,7 @@
               <a:t>&gt;cd </a:t>
             </a:r>
             <a:r>
-              <a:rPr lang="en-US" b="1" dirty="0">
+              <a:rPr lang="en-US" dirty="0">
                 <a:solidFill>
                   <a:srgbClr val="000000"/>
                 </a:solidFill>
@@ -18210,7 +18251,7 @@
               <a:buNone/>
             </a:pPr>
             <a:r>
-              <a:rPr lang="en-US" sz="2400" b="1" dirty="0">
+              <a:rPr lang="en-US" dirty="0">
                 <a:solidFill>
                   <a:srgbClr val="000000"/>
                 </a:solidFill>
@@ -18220,27 +18261,20 @@
               <a:t>&gt;</a:t>
             </a:r>
             <a:r>
-              <a:rPr lang="en-US" sz="2400" b="1" dirty="0" err="1">
+              <a:rPr lang="en-US" dirty="0" err="1">
                 <a:effectLst/>
                 <a:ea typeface="Times New Roman" panose="02020603050405020304" pitchFamily="18" charset="0"/>
               </a:rPr>
               <a:t>npx</a:t>
             </a:r>
             <a:r>
-              <a:rPr lang="en-US" sz="2400" dirty="0">
+              <a:rPr lang="en-US" dirty="0">
                 <a:effectLst/>
                 <a:ea typeface="Times New Roman" panose="02020603050405020304" pitchFamily="18" charset="0"/>
               </a:rPr>
-              <a:t> </a:t>
-            </a:r>
-            <a:r>
-              <a:rPr lang="en-US" sz="2400" b="1" dirty="0">
-                <a:effectLst/>
-                <a:ea typeface="Times New Roman" panose="02020603050405020304" pitchFamily="18" charset="0"/>
-              </a:rPr>
-              <a:t>expo login</a:t>
-            </a:r>
-            <a:endParaRPr lang="en-US" sz="2400" b="1" dirty="0">
+              <a:t> expo login</a:t>
+            </a:r>
+            <a:endParaRPr lang="en-US" dirty="0">
               <a:solidFill>
                 <a:srgbClr val="000000"/>
               </a:solidFill>
@@ -18466,7 +18500,7 @@
         </p:nvSpPr>
         <p:spPr bwMode="auto">
           <a:xfrm>
-            <a:off x="644854" y="789294"/>
+            <a:off x="539750" y="954707"/>
             <a:ext cx="4841547" cy="830854"/>
           </a:xfrm>
           <a:prstGeom prst="rect">
@@ -18667,7 +18701,7 @@
               <a:buNone/>
             </a:pPr>
             <a:r>
-              <a:rPr lang="en-US" b="1" dirty="0">
+              <a:rPr lang="en-US" dirty="0">
                 <a:solidFill>
                   <a:srgbClr val="000000"/>
                 </a:solidFill>
@@ -18677,7 +18711,7 @@
               <a:t>&gt;</a:t>
             </a:r>
             <a:r>
-              <a:rPr lang="en-US" b="1" dirty="0" err="1">
+              <a:rPr lang="en-US" dirty="0" err="1">
                 <a:solidFill>
                   <a:srgbClr val="000000"/>
                 </a:solidFill>
@@ -18685,7 +18719,7 @@
               <a:t>npx</a:t>
             </a:r>
             <a:r>
-              <a:rPr lang="en-US" b="1" dirty="0">
+              <a:rPr lang="en-US" dirty="0">
                 <a:solidFill>
                   <a:srgbClr val="000000"/>
                 </a:solidFill>
@@ -21427,8 +21461,8 @@
         </p:nvSpPr>
         <p:spPr>
           <a:xfrm>
-            <a:off x="422275" y="959427"/>
-            <a:ext cx="8299450" cy="671945"/>
+            <a:off x="304800" y="959427"/>
+            <a:ext cx="8839200" cy="671945"/>
           </a:xfrm>
         </p:spPr>
         <p:txBody>
@@ -21436,14 +21470,14 @@
           <a:lstStyle/>
           <a:p>
             <a:r>
-              <a:rPr lang="en-US" sz="2000" dirty="0">
+              <a:rPr lang="en-US" sz="2400" dirty="0">
                 <a:effectLst/>
                 <a:ea typeface="Times New Roman" panose="02020603050405020304" pitchFamily="18" charset="0"/>
               </a:rPr>
               <a:t>Visit </a:t>
             </a:r>
             <a:r>
-              <a:rPr lang="en-US" sz="2000" u="sng" dirty="0">
+              <a:rPr lang="en-US" sz="2400" u="sng" dirty="0">
                 <a:effectLst/>
                 <a:ea typeface="Times New Roman" panose="02020603050405020304" pitchFamily="18" charset="0"/>
                 <a:hlinkClick r:id="rId2">
@@ -21457,7 +21491,7 @@
               <a:t>https://github.com/samchung0117/sigite2023-example</a:t>
             </a:r>
             <a:r>
-              <a:rPr lang="en-US" sz="2000" dirty="0">
+              <a:rPr lang="en-US" sz="2400" dirty="0">
                 <a:effectLst/>
                 <a:ea typeface="Times New Roman" panose="02020603050405020304" pitchFamily="18" charset="0"/>
               </a:rPr>
@@ -21465,7 +21499,7 @@
             </a:r>
           </a:p>
           <a:p>
-            <a:endParaRPr lang="en-US" sz="2000" dirty="0"/>
+            <a:endParaRPr lang="en-US" sz="2400" dirty="0"/>
           </a:p>
         </p:txBody>
       </p:sp>
@@ -23537,20 +23571,20 @@
 </file>
 
 <file path=customXml/item2.xml><?xml version="1.0" encoding="utf-8"?>
+<p:properties xmlns:p="http://schemas.microsoft.com/office/2006/metadata/properties" xmlns:xsi="http://www.w3.org/2001/XMLSchema-instance" xmlns:pc="http://schemas.microsoft.com/office/infopath/2007/PartnerControls">
+  <documentManagement>
+    <_activity xmlns="995b2506-1074-4ddc-af93-d4437205e205" xsi:nil="true"/>
+  </documentManagement>
+</p:properties>
+</file>
+
+<file path=customXml/item3.xml><?xml version="1.0" encoding="utf-8"?>
 <?mso-contentType ?>
 <FormTemplates xmlns="http://schemas.microsoft.com/sharepoint/v3/contenttype/forms">
   <Display>DocumentLibraryForm</Display>
   <Edit>DocumentLibraryForm</Edit>
   <New>DocumentLibraryForm</New>
 </FormTemplates>
-</file>
-
-<file path=customXml/item3.xml><?xml version="1.0" encoding="utf-8"?>
-<p:properties xmlns:p="http://schemas.microsoft.com/office/2006/metadata/properties" xmlns:xsi="http://www.w3.org/2001/XMLSchema-instance" xmlns:pc="http://schemas.microsoft.com/office/infopath/2007/PartnerControls">
-  <documentManagement>
-    <_activity xmlns="995b2506-1074-4ddc-af93-d4437205e205" xsi:nil="true"/>
-  </documentManagement>
-</p:properties>
 </file>
 
 <file path=customXml/itemProps1.xml><?xml version="1.0" encoding="utf-8"?>
@@ -23573,14 +23607,6 @@
 </file>
 
 <file path=customXml/itemProps2.xml><?xml version="1.0" encoding="utf-8"?>
-<ds:datastoreItem xmlns:ds="http://schemas.openxmlformats.org/officeDocument/2006/customXml" ds:itemID="{0AB377C4-EEF8-47E3-9318-52CD2DF06262}">
-  <ds:schemaRefs>
-    <ds:schemaRef ds:uri="http://schemas.microsoft.com/sharepoint/v3/contenttype/forms"/>
-  </ds:schemaRefs>
-</ds:datastoreItem>
-</file>
-
-<file path=customXml/itemProps3.xml><?xml version="1.0" encoding="utf-8"?>
 <ds:datastoreItem xmlns:ds="http://schemas.openxmlformats.org/officeDocument/2006/customXml" ds:itemID="{F72FEE91-4C0A-496F-8B44-A47FB8B7081B}">
   <ds:schemaRefs>
     <ds:schemaRef ds:uri="http://www.w3.org/XML/1998/namespace"/>
@@ -23595,4 +23621,12 @@
     <ds:schemaRef ds:uri="http://purl.org/dc/elements/1.1/"/>
   </ds:schemaRefs>
 </ds:datastoreItem>
+</file>
+
+<file path=customXml/itemProps3.xml><?xml version="1.0" encoding="utf-8"?>
+<ds:datastoreItem xmlns:ds="http://schemas.openxmlformats.org/officeDocument/2006/customXml" ds:itemID="{0AB377C4-EEF8-47E3-9318-52CD2DF06262}">
+  <ds:schemaRefs>
+    <ds:schemaRef ds:uri="http://schemas.microsoft.com/sharepoint/v3/contenttype/forms"/>
+  </ds:schemaRefs>
+</ds:datastoreItem>
 </file>